--- a/Documentacion/MIS EVENTOS.pptx
+++ b/Documentacion/MIS EVENTOS.pptx
@@ -8,6 +8,11 @@
     <p:sldId id="256" r:id="rId2"/>
     <p:sldId id="257" r:id="rId3"/>
     <p:sldId id="258" r:id="rId4"/>
+    <p:sldId id="259" r:id="rId5"/>
+    <p:sldId id="260" r:id="rId6"/>
+    <p:sldId id="261" r:id="rId7"/>
+    <p:sldId id="262" r:id="rId8"/>
+    <p:sldId id="263" r:id="rId9"/>
   </p:sldIdLst>
   <p:sldSz cx="9144000" cy="6858000" type="screen4x3"/>
   <p:notesSz cx="6858000" cy="9144000"/>
@@ -2866,7 +2871,7 @@
           <a:p>
             <a:fld id="{E36C9106-3B2B-4ECF-A5E5-3D615E052949}" type="datetimeFigureOut">
               <a:rPr lang="es-AR" smtClean="0"/>
-              <a:t>28/11/2019</a:t>
+              <a:t>30/11/2019</a:t>
             </a:fld>
             <a:endParaRPr lang="es-AR"/>
           </a:p>
@@ -3151,7 +3156,7 @@
           <a:p>
             <a:fld id="{E36C9106-3B2B-4ECF-A5E5-3D615E052949}" type="datetimeFigureOut">
               <a:rPr lang="es-AR" smtClean="0"/>
-              <a:t>28/11/2019</a:t>
+              <a:t>30/11/2019</a:t>
             </a:fld>
             <a:endParaRPr lang="es-AR"/>
           </a:p>
@@ -3326,7 +3331,7 @@
           <a:p>
             <a:fld id="{E36C9106-3B2B-4ECF-A5E5-3D615E052949}" type="datetimeFigureOut">
               <a:rPr lang="es-AR" smtClean="0"/>
-              <a:t>28/11/2019</a:t>
+              <a:t>30/11/2019</a:t>
             </a:fld>
             <a:endParaRPr lang="es-AR"/>
           </a:p>
@@ -3491,7 +3496,7 @@
           <a:p>
             <a:fld id="{E36C9106-3B2B-4ECF-A5E5-3D615E052949}" type="datetimeFigureOut">
               <a:rPr lang="es-AR" smtClean="0"/>
-              <a:t>28/11/2019</a:t>
+              <a:t>30/11/2019</a:t>
             </a:fld>
             <a:endParaRPr lang="es-AR"/>
           </a:p>
@@ -3732,7 +3737,7 @@
           <a:p>
             <a:fld id="{E36C9106-3B2B-4ECF-A5E5-3D615E052949}" type="datetimeFigureOut">
               <a:rPr lang="es-AR" smtClean="0"/>
-              <a:t>28/11/2019</a:t>
+              <a:t>30/11/2019</a:t>
             </a:fld>
             <a:endParaRPr lang="es-AR"/>
           </a:p>
@@ -3845,7 +3850,7 @@
           <a:p>
             <a:fld id="{E36C9106-3B2B-4ECF-A5E5-3D615E052949}" type="datetimeFigureOut">
               <a:rPr lang="es-AR" smtClean="0"/>
-              <a:t>28/11/2019</a:t>
+              <a:t>30/11/2019</a:t>
             </a:fld>
             <a:endParaRPr lang="es-AR"/>
           </a:p>
@@ -4384,7 +4389,7 @@
           <a:p>
             <a:fld id="{E36C9106-3B2B-4ECF-A5E5-3D615E052949}" type="datetimeFigureOut">
               <a:rPr lang="es-AR" smtClean="0"/>
-              <a:t>28/11/2019</a:t>
+              <a:t>30/11/2019</a:t>
             </a:fld>
             <a:endParaRPr lang="es-AR"/>
           </a:p>
@@ -4497,7 +4502,7 @@
           <a:p>
             <a:fld id="{E36C9106-3B2B-4ECF-A5E5-3D615E052949}" type="datetimeFigureOut">
               <a:rPr lang="es-AR" smtClean="0"/>
-              <a:t>28/11/2019</a:t>
+              <a:t>30/11/2019</a:t>
             </a:fld>
             <a:endParaRPr lang="es-AR"/>
           </a:p>
@@ -4587,7 +4592,7 @@
           <a:p>
             <a:fld id="{E36C9106-3B2B-4ECF-A5E5-3D615E052949}" type="datetimeFigureOut">
               <a:rPr lang="es-AR" smtClean="0"/>
-              <a:t>28/11/2019</a:t>
+              <a:t>30/11/2019</a:t>
             </a:fld>
             <a:endParaRPr lang="es-AR"/>
           </a:p>
@@ -7238,7 +7243,7 @@
           <a:p>
             <a:fld id="{E36C9106-3B2B-4ECF-A5E5-3D615E052949}" type="datetimeFigureOut">
               <a:rPr lang="es-AR" smtClean="0"/>
-              <a:t>28/11/2019</a:t>
+              <a:t>30/11/2019</a:t>
             </a:fld>
             <a:endParaRPr lang="es-AR"/>
           </a:p>
@@ -10450,7 +10455,7 @@
           <a:p>
             <a:fld id="{E36C9106-3B2B-4ECF-A5E5-3D615E052949}" type="datetimeFigureOut">
               <a:rPr lang="es-AR" smtClean="0"/>
-              <a:t>28/11/2019</a:t>
+              <a:t>30/11/2019</a:t>
             </a:fld>
             <a:endParaRPr lang="es-AR"/>
           </a:p>
@@ -13272,7 +13277,7 @@
           <a:p>
             <a:fld id="{E36C9106-3B2B-4ECF-A5E5-3D615E052949}" type="datetimeFigureOut">
               <a:rPr lang="es-AR" smtClean="0"/>
-              <a:t>28/11/2019</a:t>
+              <a:t>30/11/2019</a:t>
             </a:fld>
             <a:endParaRPr lang="es-AR"/>
           </a:p>
@@ -13811,6 +13816,361 @@
           </a:prstGeom>
         </p:spPr>
       </p:pic>
+      <p:pic>
+        <p:nvPicPr>
+          <p:cNvPr id="5" name="Imagen 7"/>
+          <p:cNvPicPr>
+            <a:picLocks noChangeAspect="1"/>
+          </p:cNvPicPr>
+          <p:nvPr/>
+        </p:nvPicPr>
+        <p:blipFill>
+          <a:blip r:embed="rId3">
+            <a:extLst>
+              <a:ext uri="{28A0092B-C50C-407E-A947-70E740481C1C}">
+                <a14:useLocalDpi xmlns:a14="http://schemas.microsoft.com/office/drawing/2010/main" val="0"/>
+              </a:ext>
+            </a:extLst>
+          </a:blip>
+          <a:srcRect/>
+          <a:stretch>
+            <a:fillRect/>
+          </a:stretch>
+        </p:blipFill>
+        <p:spPr bwMode="auto">
+          <a:xfrm>
+            <a:off x="10584" y="2492896"/>
+            <a:ext cx="4504931" cy="1872208"/>
+          </a:xfrm>
+          <a:prstGeom prst="rect">
+            <a:avLst/>
+          </a:prstGeom>
+          <a:noFill/>
+          <a:ln>
+            <a:noFill/>
+          </a:ln>
+          <a:extLst>
+            <a:ext uri="{909E8E84-426E-40DD-AFC4-6F175D3DCCD1}">
+              <a14:hiddenFill xmlns:a14="http://schemas.microsoft.com/office/drawing/2010/main">
+                <a:solidFill>
+                  <a:srgbClr val="FFFFFF"/>
+                </a:solidFill>
+              </a14:hiddenFill>
+            </a:ext>
+            <a:ext uri="{91240B29-F687-4F45-9708-019B960494DF}">
+              <a14:hiddenLine xmlns:a14="http://schemas.microsoft.com/office/drawing/2010/main" w="9525">
+                <a:solidFill>
+                  <a:srgbClr val="000000"/>
+                </a:solidFill>
+                <a:miter lim="800000"/>
+                <a:headEnd/>
+                <a:tailEnd/>
+              </a14:hiddenLine>
+            </a:ext>
+          </a:extLst>
+        </p:spPr>
+      </p:pic>
+      <p:pic>
+        <p:nvPicPr>
+          <p:cNvPr id="6" name="Imagen 8"/>
+          <p:cNvPicPr>
+            <a:picLocks noChangeAspect="1"/>
+          </p:cNvPicPr>
+          <p:nvPr/>
+        </p:nvPicPr>
+        <p:blipFill>
+          <a:blip r:embed="rId4">
+            <a:extLst>
+              <a:ext uri="{28A0092B-C50C-407E-A947-70E740481C1C}">
+                <a14:useLocalDpi xmlns:a14="http://schemas.microsoft.com/office/drawing/2010/main" val="0"/>
+              </a:ext>
+            </a:extLst>
+          </a:blip>
+          <a:srcRect/>
+          <a:stretch>
+            <a:fillRect/>
+          </a:stretch>
+        </p:blipFill>
+        <p:spPr bwMode="auto">
+          <a:xfrm>
+            <a:off x="10584" y="331021"/>
+            <a:ext cx="4365503" cy="1592886"/>
+          </a:xfrm>
+          <a:prstGeom prst="rect">
+            <a:avLst/>
+          </a:prstGeom>
+          <a:noFill/>
+          <a:ln>
+            <a:noFill/>
+          </a:ln>
+          <a:extLst>
+            <a:ext uri="{909E8E84-426E-40DD-AFC4-6F175D3DCCD1}">
+              <a14:hiddenFill xmlns:a14="http://schemas.microsoft.com/office/drawing/2010/main">
+                <a:solidFill>
+                  <a:srgbClr val="FFFFFF"/>
+                </a:solidFill>
+              </a14:hiddenFill>
+            </a:ext>
+            <a:ext uri="{91240B29-F687-4F45-9708-019B960494DF}">
+              <a14:hiddenLine xmlns:a14="http://schemas.microsoft.com/office/drawing/2010/main" w="9525">
+                <a:solidFill>
+                  <a:srgbClr val="000000"/>
+                </a:solidFill>
+                <a:miter lim="800000"/>
+                <a:headEnd/>
+                <a:tailEnd/>
+              </a14:hiddenLine>
+            </a:ext>
+          </a:extLst>
+        </p:spPr>
+      </p:pic>
+      <p:sp>
+        <p:nvSpPr>
+          <p:cNvPr id="8" name="CuadroTexto 1"/>
+          <p:cNvSpPr txBox="1">
+            <a:spLocks noChangeArrowheads="1"/>
+          </p:cNvSpPr>
+          <p:nvPr/>
+        </p:nvSpPr>
+        <p:spPr bwMode="auto">
+          <a:xfrm>
+            <a:off x="10584" y="4653136"/>
+            <a:ext cx="4345391" cy="1631216"/>
+          </a:xfrm>
+          <a:prstGeom prst="rect">
+            <a:avLst/>
+          </a:prstGeom>
+          <a:noFill/>
+          <a:ln>
+            <a:noFill/>
+          </a:ln>
+          <a:extLst>
+            <a:ext uri="{909E8E84-426E-40DD-AFC4-6F175D3DCCD1}">
+              <a14:hiddenFill xmlns:a14="http://schemas.microsoft.com/office/drawing/2010/main">
+                <a:solidFill>
+                  <a:srgbClr val="FFFFFF"/>
+                </a:solidFill>
+              </a14:hiddenFill>
+            </a:ext>
+            <a:ext uri="{91240B29-F687-4F45-9708-019B960494DF}">
+              <a14:hiddenLine xmlns:a14="http://schemas.microsoft.com/office/drawing/2010/main" w="9525">
+                <a:solidFill>
+                  <a:srgbClr val="000000"/>
+                </a:solidFill>
+                <a:miter lim="800000"/>
+                <a:headEnd/>
+                <a:tailEnd/>
+              </a14:hiddenLine>
+            </a:ext>
+          </a:extLst>
+        </p:spPr>
+        <p:txBody>
+          <a:bodyPr wrap="square">
+            <a:spAutoFit/>
+          </a:bodyPr>
+          <a:lstStyle>
+            <a:lvl1pPr>
+              <a:defRPr>
+                <a:solidFill>
+                  <a:schemeClr val="tx1"/>
+                </a:solidFill>
+                <a:latin typeface="Arial" charset="0"/>
+                <a:cs typeface="Arial" charset="0"/>
+              </a:defRPr>
+            </a:lvl1pPr>
+            <a:lvl2pPr marL="742950" indent="-285750">
+              <a:defRPr>
+                <a:solidFill>
+                  <a:schemeClr val="tx1"/>
+                </a:solidFill>
+                <a:latin typeface="Arial" charset="0"/>
+                <a:cs typeface="Arial" charset="0"/>
+              </a:defRPr>
+            </a:lvl2pPr>
+            <a:lvl3pPr marL="1143000" indent="-228600">
+              <a:defRPr>
+                <a:solidFill>
+                  <a:schemeClr val="tx1"/>
+                </a:solidFill>
+                <a:latin typeface="Arial" charset="0"/>
+                <a:cs typeface="Arial" charset="0"/>
+              </a:defRPr>
+            </a:lvl3pPr>
+            <a:lvl4pPr marL="1600200" indent="-228600">
+              <a:defRPr>
+                <a:solidFill>
+                  <a:schemeClr val="tx1"/>
+                </a:solidFill>
+                <a:latin typeface="Arial" charset="0"/>
+                <a:cs typeface="Arial" charset="0"/>
+              </a:defRPr>
+            </a:lvl4pPr>
+            <a:lvl5pPr marL="2057400" indent="-228600">
+              <a:defRPr>
+                <a:solidFill>
+                  <a:schemeClr val="tx1"/>
+                </a:solidFill>
+                <a:latin typeface="Arial" charset="0"/>
+                <a:cs typeface="Arial" charset="0"/>
+              </a:defRPr>
+            </a:lvl5pPr>
+            <a:lvl6pPr marL="2514600" indent="-228600" eaLnBrk="0" fontAlgn="base" hangingPunct="0">
+              <a:spcBef>
+                <a:spcPct val="0"/>
+              </a:spcBef>
+              <a:spcAft>
+                <a:spcPct val="0"/>
+              </a:spcAft>
+              <a:defRPr>
+                <a:solidFill>
+                  <a:schemeClr val="tx1"/>
+                </a:solidFill>
+                <a:latin typeface="Arial" charset="0"/>
+                <a:cs typeface="Arial" charset="0"/>
+              </a:defRPr>
+            </a:lvl6pPr>
+            <a:lvl7pPr marL="2971800" indent="-228600" eaLnBrk="0" fontAlgn="base" hangingPunct="0">
+              <a:spcBef>
+                <a:spcPct val="0"/>
+              </a:spcBef>
+              <a:spcAft>
+                <a:spcPct val="0"/>
+              </a:spcAft>
+              <a:defRPr>
+                <a:solidFill>
+                  <a:schemeClr val="tx1"/>
+                </a:solidFill>
+                <a:latin typeface="Arial" charset="0"/>
+                <a:cs typeface="Arial" charset="0"/>
+              </a:defRPr>
+            </a:lvl7pPr>
+            <a:lvl8pPr marL="3429000" indent="-228600" eaLnBrk="0" fontAlgn="base" hangingPunct="0">
+              <a:spcBef>
+                <a:spcPct val="0"/>
+              </a:spcBef>
+              <a:spcAft>
+                <a:spcPct val="0"/>
+              </a:spcAft>
+              <a:defRPr>
+                <a:solidFill>
+                  <a:schemeClr val="tx1"/>
+                </a:solidFill>
+                <a:latin typeface="Arial" charset="0"/>
+                <a:cs typeface="Arial" charset="0"/>
+              </a:defRPr>
+            </a:lvl8pPr>
+            <a:lvl9pPr marL="3886200" indent="-228600" eaLnBrk="0" fontAlgn="base" hangingPunct="0">
+              <a:spcBef>
+                <a:spcPct val="0"/>
+              </a:spcBef>
+              <a:spcAft>
+                <a:spcPct val="0"/>
+              </a:spcAft>
+              <a:defRPr>
+                <a:solidFill>
+                  <a:schemeClr val="tx1"/>
+                </a:solidFill>
+                <a:latin typeface="Arial" charset="0"/>
+                <a:cs typeface="Arial" charset="0"/>
+              </a:defRPr>
+            </a:lvl9pPr>
+          </a:lstStyle>
+          <a:p>
+            <a:pPr eaLnBrk="1" hangingPunct="1"/>
+            <a:r>
+              <a:rPr lang="es-AR" sz="2000" b="1" dirty="0">
+                <a:solidFill>
+                  <a:schemeClr val="bg1"/>
+                </a:solidFill>
+              </a:rPr>
+              <a:t>Integrantes:</a:t>
+            </a:r>
+          </a:p>
+          <a:p>
+            <a:pPr algn="r" eaLnBrk="1" hangingPunct="1"/>
+            <a:r>
+              <a:rPr lang="es-AR" sz="2000" b="1" dirty="0">
+                <a:solidFill>
+                  <a:schemeClr val="bg1"/>
+                </a:solidFill>
+              </a:rPr>
+              <a:t>Galán, Augusto             </a:t>
+            </a:r>
+            <a:r>
+              <a:rPr lang="es-ES" sz="2000" b="1" dirty="0">
+                <a:solidFill>
+                  <a:schemeClr val="bg1"/>
+                </a:solidFill>
+              </a:rPr>
+              <a:t>55592</a:t>
+            </a:r>
+            <a:endParaRPr lang="es-AR" sz="2000" b="1" dirty="0">
+              <a:solidFill>
+                <a:schemeClr val="bg1"/>
+              </a:solidFill>
+            </a:endParaRPr>
+          </a:p>
+          <a:p>
+            <a:pPr algn="r" eaLnBrk="1" hangingPunct="1"/>
+            <a:r>
+              <a:rPr lang="es-AR" sz="2000" b="1" dirty="0">
+                <a:solidFill>
+                  <a:schemeClr val="bg1"/>
+                </a:solidFill>
+              </a:rPr>
+              <a:t>González, Lucas           </a:t>
+            </a:r>
+            <a:r>
+              <a:rPr lang="es-ES" sz="2000" b="1" dirty="0">
+                <a:solidFill>
+                  <a:schemeClr val="bg1"/>
+                </a:solidFill>
+              </a:rPr>
+              <a:t>63711</a:t>
+            </a:r>
+            <a:endParaRPr lang="es-AR" sz="2000" b="1" dirty="0">
+              <a:solidFill>
+                <a:schemeClr val="bg1"/>
+              </a:solidFill>
+            </a:endParaRPr>
+          </a:p>
+          <a:p>
+            <a:pPr algn="r" eaLnBrk="1" hangingPunct="1"/>
+            <a:r>
+              <a:rPr lang="es-AR" sz="2000" b="1" dirty="0">
+                <a:solidFill>
+                  <a:schemeClr val="bg1"/>
+                </a:solidFill>
+              </a:rPr>
+              <a:t>Jiménez, Javier             </a:t>
+            </a:r>
+            <a:r>
+              <a:rPr lang="es-ES" sz="2000" b="1" dirty="0">
+                <a:solidFill>
+                  <a:schemeClr val="bg1"/>
+                </a:solidFill>
+              </a:rPr>
+              <a:t>63711</a:t>
+            </a:r>
+            <a:endParaRPr lang="es-AR" sz="2000" b="1" dirty="0">
+              <a:solidFill>
+                <a:schemeClr val="bg1"/>
+              </a:solidFill>
+            </a:endParaRPr>
+          </a:p>
+          <a:p>
+            <a:pPr algn="r" eaLnBrk="1" hangingPunct="1"/>
+            <a:r>
+              <a:rPr lang="es-AR" sz="2000" b="1" dirty="0">
+                <a:solidFill>
+                  <a:schemeClr val="bg1"/>
+                </a:solidFill>
+              </a:rPr>
+              <a:t>Quinteros, Luciana        52686</a:t>
+            </a:r>
+          </a:p>
+        </p:txBody>
+      </p:sp>
     </p:spTree>
     <p:extLst>
       <p:ext uri="{BB962C8B-B14F-4D97-AF65-F5344CB8AC3E}">
@@ -13881,15 +14241,21 @@
             <p:ph idx="1"/>
           </p:nvPr>
         </p:nvSpPr>
-        <p:spPr/>
+        <p:spPr>
+          <a:xfrm>
+            <a:off x="1043608" y="2420888"/>
+            <a:ext cx="6777317" cy="3508977"/>
+          </a:xfrm>
+        </p:spPr>
         <p:txBody>
           <a:bodyPr/>
           <a:lstStyle/>
           <a:p>
             <a:r>
               <a:rPr lang="es-AR" dirty="0" smtClean="0"/>
-              <a:t>Presentación. </a:t>
+              <a:t>Presentación de la fundación. </a:t>
             </a:r>
+            <a:endParaRPr lang="es-AR" dirty="0" smtClean="0"/>
           </a:p>
           <a:p>
             <a:r>
@@ -13900,14 +14266,25 @@
           <a:p>
             <a:r>
               <a:rPr lang="es-AR" dirty="0" smtClean="0"/>
-              <a:t>Roles del sistema.</a:t>
+              <a:t>Roles del sistema</a:t>
+            </a:r>
+            <a:r>
+              <a:rPr lang="es-AR" dirty="0" smtClean="0"/>
+              <a:t>.</a:t>
             </a:r>
           </a:p>
           <a:p>
             <a:r>
               <a:rPr lang="es-AR" dirty="0" smtClean="0"/>
-              <a:t>(Contar el sistema como un cuento)</a:t>
+              <a:t>Muestra de las funcionalidades.</a:t>
             </a:r>
+          </a:p>
+          <a:p>
+            <a:r>
+              <a:rPr lang="es-AR" dirty="0" smtClean="0"/>
+              <a:t>Conclusión.</a:t>
+            </a:r>
+            <a:endParaRPr lang="es-AR" dirty="0" smtClean="0"/>
           </a:p>
           <a:p>
             <a:pPr marL="68580" indent="0">
@@ -13966,9 +14343,404 @@
         </p:nvSpPr>
         <p:spPr/>
         <p:txBody>
+          <a:bodyPr>
+            <a:normAutofit fontScale="90000"/>
+          </a:bodyPr>
+          <a:lstStyle/>
+          <a:p>
+            <a:r>
+              <a:rPr lang="es-AR" dirty="0" smtClean="0"/>
+              <a:t>Presentación de la fundaci</a:t>
+            </a:r>
+            <a:r>
+              <a:rPr lang="es-AR" dirty="0" smtClean="0"/>
+              <a:t>ón</a:t>
+            </a:r>
+            <a:endParaRPr lang="es-AR" dirty="0"/>
+          </a:p>
+        </p:txBody>
+      </p:sp>
+      <p:sp>
+        <p:nvSpPr>
+          <p:cNvPr id="3" name="2 Marcador de contenido"/>
+          <p:cNvSpPr>
+            <a:spLocks noGrp="1"/>
+          </p:cNvSpPr>
+          <p:nvPr>
+            <p:ph idx="1"/>
+          </p:nvPr>
+        </p:nvSpPr>
+        <p:spPr/>
+        <p:txBody>
           <a:bodyPr/>
           <a:lstStyle/>
           <a:p>
+            <a:r>
+              <a:rPr lang="es-AR" dirty="0"/>
+              <a:t>Fundación Cultural, Social y Educativa para el Adulto Mayor</a:t>
+            </a:r>
+            <a:r>
+              <a:rPr lang="es-AR" dirty="0" smtClean="0"/>
+              <a:t>.</a:t>
+            </a:r>
+          </a:p>
+          <a:p>
+            <a:r>
+              <a:rPr lang="es-AR" dirty="0" smtClean="0"/>
+              <a:t>Se imparten eventos, talleres, y actividades de todo tipo orientadas al adulto mayor.</a:t>
+            </a:r>
+            <a:endParaRPr lang="es-AR" dirty="0"/>
+          </a:p>
+          <a:p>
+            <a:endParaRPr lang="es-AR" dirty="0"/>
+          </a:p>
+        </p:txBody>
+      </p:sp>
+      <p:pic>
+        <p:nvPicPr>
+          <p:cNvPr id="4" name="Marcador de contenido 2"/>
+          <p:cNvPicPr>
+            <a:picLocks noChangeAspect="1"/>
+          </p:cNvPicPr>
+          <p:nvPr/>
+        </p:nvPicPr>
+        <p:blipFill>
+          <a:blip r:embed="rId2" cstate="print">
+            <a:extLst>
+              <a:ext uri="{28A0092B-C50C-407E-A947-70E740481C1C}">
+                <a14:useLocalDpi xmlns:a14="http://schemas.microsoft.com/office/drawing/2010/main" val="0"/>
+              </a:ext>
+            </a:extLst>
+          </a:blip>
+          <a:srcRect/>
+          <a:stretch>
+            <a:fillRect/>
+          </a:stretch>
+        </p:blipFill>
+        <p:spPr>
+          <a:xfrm>
+            <a:off x="0" y="4877015"/>
+            <a:ext cx="1944216" cy="2023822"/>
+          </a:xfrm>
+          <a:prstGeom prst="rect">
+            <a:avLst/>
+          </a:prstGeom>
+        </p:spPr>
+      </p:pic>
+    </p:spTree>
+    <p:extLst>
+      <p:ext uri="{BB962C8B-B14F-4D97-AF65-F5344CB8AC3E}">
+        <p14:creationId xmlns:p14="http://schemas.microsoft.com/office/powerpoint/2010/main" val="3057133934"/>
+      </p:ext>
+    </p:extLst>
+  </p:cSld>
+  <p:clrMapOvr>
+    <a:masterClrMapping/>
+  </p:clrMapOvr>
+  <p:timing>
+    <p:tnLst>
+      <p:par>
+        <p:cTn id="1" dur="indefinite" restart="never" nodeType="tmRoot"/>
+      </p:par>
+    </p:tnLst>
+  </p:timing>
+</p:sld>
+</file>
+
+<file path=ppt/slides/slide4.xml><?xml version="1.0" encoding="utf-8"?>
+<p:sld xmlns:a="http://schemas.openxmlformats.org/drawingml/2006/main" xmlns:r="http://schemas.openxmlformats.org/officeDocument/2006/relationships" xmlns:p="http://schemas.openxmlformats.org/presentationml/2006/main">
+  <p:cSld>
+    <p:spTree>
+      <p:nvGrpSpPr>
+        <p:cNvPr id="1" name=""/>
+        <p:cNvGrpSpPr/>
+        <p:nvPr/>
+      </p:nvGrpSpPr>
+      <p:grpSpPr>
+        <a:xfrm>
+          <a:off x="0" y="0"/>
+          <a:ext cx="0" cy="0"/>
+          <a:chOff x="0" y="0"/>
+          <a:chExt cx="0" cy="0"/>
+        </a:xfrm>
+      </p:grpSpPr>
+      <p:sp>
+        <p:nvSpPr>
+          <p:cNvPr id="2" name="1 Título"/>
+          <p:cNvSpPr>
+            <a:spLocks noGrp="1"/>
+          </p:cNvSpPr>
+          <p:nvPr>
+            <p:ph type="title"/>
+          </p:nvPr>
+        </p:nvSpPr>
+        <p:spPr/>
+        <p:txBody>
+          <a:bodyPr/>
+          <a:lstStyle/>
+          <a:p>
+            <a:r>
+              <a:rPr lang="es-AR" dirty="0" smtClean="0"/>
+              <a:t>Que es Mis Eventos?</a:t>
+            </a:r>
+            <a:endParaRPr lang="es-AR" dirty="0"/>
+          </a:p>
+        </p:txBody>
+      </p:sp>
+      <p:sp>
+        <p:nvSpPr>
+          <p:cNvPr id="3" name="2 Marcador de contenido"/>
+          <p:cNvSpPr>
+            <a:spLocks noGrp="1"/>
+          </p:cNvSpPr>
+          <p:nvPr>
+            <p:ph idx="1"/>
+          </p:nvPr>
+        </p:nvSpPr>
+        <p:spPr/>
+        <p:txBody>
+          <a:bodyPr/>
+          <a:lstStyle/>
+          <a:p>
+            <a:pPr marL="0" indent="0">
+              <a:buNone/>
+            </a:pPr>
+            <a:r>
+              <a:rPr lang="es-AR" dirty="0" smtClean="0"/>
+              <a:t>Mis </a:t>
+            </a:r>
+            <a:r>
+              <a:rPr lang="es-AR" dirty="0"/>
+              <a:t>Eventos es un sistema de información que brinda soporte a la gestión integral de eventos, permitiendo la disponibilidad de información  para organizadores, </a:t>
+            </a:r>
+            <a:r>
+              <a:rPr lang="es-AR" dirty="0" smtClean="0"/>
+              <a:t>encargados </a:t>
+            </a:r>
+            <a:r>
+              <a:rPr lang="es-AR" dirty="0"/>
+              <a:t>y socios en forma rápida y oportuna</a:t>
+            </a:r>
+            <a:r>
+              <a:rPr lang="es-AR" dirty="0" smtClean="0"/>
+              <a:t>. </a:t>
+            </a:r>
+            <a:endParaRPr lang="es-AR" dirty="0"/>
+          </a:p>
+        </p:txBody>
+      </p:sp>
+    </p:spTree>
+    <p:extLst>
+      <p:ext uri="{BB962C8B-B14F-4D97-AF65-F5344CB8AC3E}">
+        <p14:creationId xmlns:p14="http://schemas.microsoft.com/office/powerpoint/2010/main" val="123332435"/>
+      </p:ext>
+    </p:extLst>
+  </p:cSld>
+  <p:clrMapOvr>
+    <a:masterClrMapping/>
+  </p:clrMapOvr>
+</p:sld>
+</file>
+
+<file path=ppt/slides/slide5.xml><?xml version="1.0" encoding="utf-8"?>
+<p:sld xmlns:a="http://schemas.openxmlformats.org/drawingml/2006/main" xmlns:r="http://schemas.openxmlformats.org/officeDocument/2006/relationships" xmlns:p="http://schemas.openxmlformats.org/presentationml/2006/main">
+  <p:cSld>
+    <p:spTree>
+      <p:nvGrpSpPr>
+        <p:cNvPr id="1" name=""/>
+        <p:cNvGrpSpPr/>
+        <p:nvPr/>
+      </p:nvGrpSpPr>
+      <p:grpSpPr>
+        <a:xfrm>
+          <a:off x="0" y="0"/>
+          <a:ext cx="0" cy="0"/>
+          <a:chOff x="0" y="0"/>
+          <a:chExt cx="0" cy="0"/>
+        </a:xfrm>
+      </p:grpSpPr>
+      <p:sp>
+        <p:nvSpPr>
+          <p:cNvPr id="2" name="1 Título"/>
+          <p:cNvSpPr>
+            <a:spLocks noGrp="1"/>
+          </p:cNvSpPr>
+          <p:nvPr>
+            <p:ph type="title"/>
+          </p:nvPr>
+        </p:nvSpPr>
+        <p:spPr/>
+        <p:txBody>
+          <a:bodyPr/>
+          <a:lstStyle/>
+          <a:p>
+            <a:r>
+              <a:rPr lang="es-AR" dirty="0" smtClean="0"/>
+              <a:t>Problemas que resuelve</a:t>
+            </a:r>
+            <a:endParaRPr lang="es-AR" dirty="0"/>
+          </a:p>
+        </p:txBody>
+      </p:sp>
+      <p:sp>
+        <p:nvSpPr>
+          <p:cNvPr id="3" name="2 Marcador de contenido"/>
+          <p:cNvSpPr>
+            <a:spLocks noGrp="1"/>
+          </p:cNvSpPr>
+          <p:nvPr>
+            <p:ph idx="1"/>
+          </p:nvPr>
+        </p:nvSpPr>
+        <p:spPr/>
+        <p:txBody>
+          <a:bodyPr>
+            <a:normAutofit lnSpcReduction="10000"/>
+          </a:bodyPr>
+          <a:lstStyle/>
+          <a:p>
+            <a:r>
+              <a:rPr lang="es-AR" dirty="0"/>
+              <a:t>Actualmente en esta fundación los registros diarios  se dejan asentados en papel y eventualmente en planillas de </a:t>
+            </a:r>
+            <a:r>
+              <a:rPr lang="es-AR" dirty="0" smtClean="0"/>
+              <a:t>Excel.  Se va rotando un pen drive con la información.</a:t>
+            </a:r>
+          </a:p>
+          <a:p>
+            <a:r>
+              <a:rPr lang="es-AR" dirty="0" smtClean="0"/>
+              <a:t>Les cuesta saber cuantos socios hay, si pagaron o no la matricula, las cuotas de los eventos, la asistencia a los cursos. El manejo de horarios de los eventos, la disponibilidad de las aulas.</a:t>
+            </a:r>
+            <a:endParaRPr lang="es-AR" dirty="0"/>
+          </a:p>
+          <a:p>
+            <a:endParaRPr lang="es-AR" dirty="0"/>
+          </a:p>
+        </p:txBody>
+      </p:sp>
+    </p:spTree>
+    <p:extLst>
+      <p:ext uri="{BB962C8B-B14F-4D97-AF65-F5344CB8AC3E}">
+        <p14:creationId xmlns:p14="http://schemas.microsoft.com/office/powerpoint/2010/main" val="211836812"/>
+      </p:ext>
+    </p:extLst>
+  </p:cSld>
+  <p:clrMapOvr>
+    <a:masterClrMapping/>
+  </p:clrMapOvr>
+</p:sld>
+</file>
+
+<file path=ppt/slides/slide6.xml><?xml version="1.0" encoding="utf-8"?>
+<p:sld xmlns:a="http://schemas.openxmlformats.org/drawingml/2006/main" xmlns:r="http://schemas.openxmlformats.org/officeDocument/2006/relationships" xmlns:p="http://schemas.openxmlformats.org/presentationml/2006/main">
+  <p:cSld>
+    <p:spTree>
+      <p:nvGrpSpPr>
+        <p:cNvPr id="1" name=""/>
+        <p:cNvGrpSpPr/>
+        <p:nvPr/>
+      </p:nvGrpSpPr>
+      <p:grpSpPr>
+        <a:xfrm>
+          <a:off x="0" y="0"/>
+          <a:ext cx="0" cy="0"/>
+          <a:chOff x="0" y="0"/>
+          <a:chExt cx="0" cy="0"/>
+        </a:xfrm>
+      </p:grpSpPr>
+      <p:sp>
+        <p:nvSpPr>
+          <p:cNvPr id="2" name="1 Título"/>
+          <p:cNvSpPr>
+            <a:spLocks noGrp="1"/>
+          </p:cNvSpPr>
+          <p:nvPr>
+            <p:ph type="title"/>
+          </p:nvPr>
+        </p:nvSpPr>
+        <p:spPr/>
+        <p:txBody>
+          <a:bodyPr/>
+          <a:lstStyle/>
+          <a:p>
+            <a:r>
+              <a:rPr lang="es-AR" dirty="0" smtClean="0"/>
+              <a:t>Roles del sistema</a:t>
+            </a:r>
+            <a:endParaRPr lang="es-AR" dirty="0"/>
+          </a:p>
+        </p:txBody>
+      </p:sp>
+      <p:sp>
+        <p:nvSpPr>
+          <p:cNvPr id="3" name="2 Marcador de contenido"/>
+          <p:cNvSpPr>
+            <a:spLocks noGrp="1"/>
+          </p:cNvSpPr>
+          <p:nvPr>
+            <p:ph idx="1"/>
+          </p:nvPr>
+        </p:nvSpPr>
+        <p:spPr/>
+        <p:txBody>
+          <a:bodyPr/>
+          <a:lstStyle/>
+          <a:p>
+            <a:endParaRPr lang="es-AR" dirty="0"/>
+          </a:p>
+        </p:txBody>
+      </p:sp>
+    </p:spTree>
+    <p:extLst>
+      <p:ext uri="{BB962C8B-B14F-4D97-AF65-F5344CB8AC3E}">
+        <p14:creationId xmlns:p14="http://schemas.microsoft.com/office/powerpoint/2010/main" val="1344364182"/>
+      </p:ext>
+    </p:extLst>
+  </p:cSld>
+  <p:clrMapOvr>
+    <a:masterClrMapping/>
+  </p:clrMapOvr>
+</p:sld>
+</file>
+
+<file path=ppt/slides/slide7.xml><?xml version="1.0" encoding="utf-8"?>
+<p:sld xmlns:a="http://schemas.openxmlformats.org/drawingml/2006/main" xmlns:r="http://schemas.openxmlformats.org/officeDocument/2006/relationships" xmlns:p="http://schemas.openxmlformats.org/presentationml/2006/main">
+  <p:cSld>
+    <p:spTree>
+      <p:nvGrpSpPr>
+        <p:cNvPr id="1" name=""/>
+        <p:cNvGrpSpPr/>
+        <p:nvPr/>
+      </p:nvGrpSpPr>
+      <p:grpSpPr>
+        <a:xfrm>
+          <a:off x="0" y="0"/>
+          <a:ext cx="0" cy="0"/>
+          <a:chOff x="0" y="0"/>
+          <a:chExt cx="0" cy="0"/>
+        </a:xfrm>
+      </p:grpSpPr>
+      <p:sp>
+        <p:nvSpPr>
+          <p:cNvPr id="2" name="1 Título"/>
+          <p:cNvSpPr>
+            <a:spLocks noGrp="1"/>
+          </p:cNvSpPr>
+          <p:nvPr>
+            <p:ph type="title"/>
+          </p:nvPr>
+        </p:nvSpPr>
+        <p:spPr/>
+        <p:txBody>
+          <a:bodyPr/>
+          <a:lstStyle/>
+          <a:p>
+            <a:r>
+              <a:rPr lang="es-AR" dirty="0" smtClean="0"/>
+              <a:t>Muestra de funcionalidad</a:t>
+            </a:r>
             <a:endParaRPr lang="es-AR" dirty="0"/>
           </a:p>
         </p:txBody>
@@ -13995,20 +14767,85 @@
     </p:spTree>
     <p:extLst>
       <p:ext uri="{BB962C8B-B14F-4D97-AF65-F5344CB8AC3E}">
-        <p14:creationId xmlns:p14="http://schemas.microsoft.com/office/powerpoint/2010/main" val="3057133934"/>
+        <p14:creationId xmlns:p14="http://schemas.microsoft.com/office/powerpoint/2010/main" val="1438922407"/>
       </p:ext>
     </p:extLst>
   </p:cSld>
   <p:clrMapOvr>
     <a:masterClrMapping/>
   </p:clrMapOvr>
-  <p:timing>
-    <p:tnLst>
-      <p:par>
-        <p:cTn id="1" dur="indefinite" restart="never" nodeType="tmRoot"/>
-      </p:par>
-    </p:tnLst>
-  </p:timing>
+</p:sld>
+</file>
+
+<file path=ppt/slides/slide8.xml><?xml version="1.0" encoding="utf-8"?>
+<p:sld xmlns:a="http://schemas.openxmlformats.org/drawingml/2006/main" xmlns:r="http://schemas.openxmlformats.org/officeDocument/2006/relationships" xmlns:p="http://schemas.openxmlformats.org/presentationml/2006/main">
+  <p:cSld>
+    <p:spTree>
+      <p:nvGrpSpPr>
+        <p:cNvPr id="1" name=""/>
+        <p:cNvGrpSpPr/>
+        <p:nvPr/>
+      </p:nvGrpSpPr>
+      <p:grpSpPr>
+        <a:xfrm>
+          <a:off x="0" y="0"/>
+          <a:ext cx="0" cy="0"/>
+          <a:chOff x="0" y="0"/>
+          <a:chExt cx="0" cy="0"/>
+        </a:xfrm>
+      </p:grpSpPr>
+      <p:sp>
+        <p:nvSpPr>
+          <p:cNvPr id="2" name="1 Título"/>
+          <p:cNvSpPr>
+            <a:spLocks noGrp="1"/>
+          </p:cNvSpPr>
+          <p:nvPr>
+            <p:ph type="title"/>
+          </p:nvPr>
+        </p:nvSpPr>
+        <p:spPr/>
+        <p:txBody>
+          <a:bodyPr/>
+          <a:lstStyle/>
+          <a:p>
+            <a:r>
+              <a:rPr lang="es-AR" dirty="0" smtClean="0"/>
+              <a:t>Conclusión</a:t>
+            </a:r>
+            <a:endParaRPr lang="es-AR" dirty="0"/>
+          </a:p>
+        </p:txBody>
+      </p:sp>
+      <p:sp>
+        <p:nvSpPr>
+          <p:cNvPr id="3" name="2 Marcador de contenido"/>
+          <p:cNvSpPr>
+            <a:spLocks noGrp="1"/>
+          </p:cNvSpPr>
+          <p:nvPr>
+            <p:ph idx="1"/>
+          </p:nvPr>
+        </p:nvSpPr>
+        <p:spPr/>
+        <p:txBody>
+          <a:bodyPr/>
+          <a:lstStyle/>
+          <a:p>
+            <a:endParaRPr lang="es-AR" dirty="0"/>
+          </a:p>
+        </p:txBody>
+      </p:sp>
+    </p:spTree>
+    <p:extLst>
+      <p:ext uri="{BB962C8B-B14F-4D97-AF65-F5344CB8AC3E}">
+        <p14:creationId xmlns:p14="http://schemas.microsoft.com/office/powerpoint/2010/main" val="2344280697"/>
+      </p:ext>
+    </p:extLst>
+  </p:cSld>
+  <p:clrMapOvr>
+    <a:masterClrMapping/>
+  </p:clrMapOvr>
 </p:sld>
 </file>
 
